--- a/Final Presentation.pptx
+++ b/Final Presentation.pptx
@@ -1178,7 +1178,7 @@
           <a:p>
             <a:fld id="{94B8B071-4683-4C35-9153-55B1D15AF0F1}" type="datetimeFigureOut">
               <a:rPr lang="en-US" smtClean="0"/>
-              <a:t>3/5/2022</a:t>
+              <a:t>3/29/2022</a:t>
             </a:fld>
             <a:endParaRPr lang="en-US"/>
           </a:p>
@@ -1865,7 +1865,7 @@
           <a:p>
             <a:fld id="{9184DA70-C731-4C70-880D-CCD4705E623C}" type="datetime1">
               <a:rPr lang="en-US" smtClean="0"/>
-              <a:t>3/4/2022</a:t>
+              <a:t>3/29/2022</a:t>
             </a:fld>
             <a:endParaRPr lang="en-US" dirty="0"/>
           </a:p>
@@ -2053,7 +2053,7 @@
           <a:p>
             <a:fld id="{4BE1D723-8F53-4F53-90B0-1982A396982E}" type="datetime1">
               <a:rPr lang="en-US" smtClean="0"/>
-              <a:t>3/4/2022</a:t>
+              <a:t>3/29/2022</a:t>
             </a:fld>
             <a:endParaRPr lang="en-US" dirty="0"/>
           </a:p>
@@ -2426,7 +2426,7 @@
           <a:p>
             <a:fld id="{97669AF7-7BEB-44E4-9852-375E34362B5B}" type="datetime1">
               <a:rPr lang="en-US" smtClean="0"/>
-              <a:t>3/4/2022</a:t>
+              <a:t>3/29/2022</a:t>
             </a:fld>
             <a:endParaRPr lang="en-US" dirty="0"/>
           </a:p>
@@ -2681,7 +2681,7 @@
           <a:p>
             <a:fld id="{BAAAC38D-0552-4C82-B593-E6124DFADBE2}" type="datetime1">
               <a:rPr lang="en-US" smtClean="0"/>
-              <a:t>3/4/2022</a:t>
+              <a:t>3/29/2022</a:t>
             </a:fld>
             <a:endParaRPr lang="en-US" dirty="0"/>
           </a:p>
@@ -3078,7 +3078,7 @@
           <a:p>
             <a:fld id="{D9DF0F1C-5577-4ACB-BB62-DF8F3C494C7E}" type="datetime1">
               <a:rPr lang="en-US" smtClean="0"/>
-              <a:t>3/4/2022</a:t>
+              <a:t>3/29/2022</a:t>
             </a:fld>
             <a:endParaRPr lang="en-US" dirty="0"/>
           </a:p>
@@ -3214,7 +3214,7 @@
           <a:p>
             <a:fld id="{1775B394-D9F9-4F0C-B15D-605F45CB9E9F}" type="datetime1">
               <a:rPr lang="en-US" smtClean="0"/>
-              <a:t>3/4/2022</a:t>
+              <a:t>3/29/2022</a:t>
             </a:fld>
             <a:endParaRPr lang="en-US" dirty="0"/>
           </a:p>
@@ -3371,7 +3371,7 @@
           <a:p>
             <a:fld id="{39667345-2558-425A-8533-9BFDBCE15005}" type="datetime1">
               <a:rPr lang="en-US" smtClean="0"/>
-              <a:t>3/4/2022</a:t>
+              <a:t>3/29/2022</a:t>
             </a:fld>
             <a:endParaRPr lang="en-US" dirty="0"/>
           </a:p>
@@ -3700,7 +3700,7 @@
           <a:p>
             <a:fld id="{92BEA474-078D-4E9B-9B14-09A87B19DC46}" type="datetime1">
               <a:rPr lang="en-US" smtClean="0"/>
-              <a:t>3/4/2022</a:t>
+              <a:t>3/29/2022</a:t>
             </a:fld>
             <a:endParaRPr lang="en-US" dirty="0"/>
           </a:p>
@@ -4050,7 +4050,7 @@
           <a:p>
             <a:fld id="{4907D986-8816-4272-A432-0437A28A9828}" type="datetime1">
               <a:rPr lang="en-US" smtClean="0"/>
-              <a:t>3/4/2022</a:t>
+              <a:t>3/29/2022</a:t>
             </a:fld>
             <a:endParaRPr lang="en-US" dirty="0"/>
           </a:p>
@@ -4311,7 +4311,7 @@
           <a:p>
             <a:fld id="{62D6E202-B606-4609-B914-27C9371A1F6D}" type="datetime1">
               <a:rPr lang="en-US" smtClean="0"/>
-              <a:t>3/4/2022</a:t>
+              <a:t>3/29/2022</a:t>
             </a:fld>
             <a:endParaRPr lang="en-US" dirty="0"/>
           </a:p>
@@ -6557,12 +6557,6 @@
           <a:bodyPr/>
           <a:lstStyle/>
           <a:p>
-            <a:r>
-              <a:rPr lang="en-US" dirty="0"/>
-              <a:t>- Based off multiple graphs (the three present as well as every other topic ) :</a:t>
-            </a:r>
-          </a:p>
-          <a:p>
             <a:pPr algn="l">
               <a:buFont typeface="Arial" panose="020B0604020202020204" pitchFamily="34" charset="0"/>
               <a:buChar char="•"/>
@@ -6720,7 +6714,7 @@
                 <a:effectLst/>
                 <a:latin typeface="Inter"/>
               </a:rPr>
-              <a:t>There are certain causes of deaths peculiar to each region. These might be further influenced by economic, climatic, religious, cultural positions of the individual countries of the regions. Without additional data, it might be difficult to estimate the extent to which these factors can affect the recorded numbers in this dataset.</a:t>
+              <a:t>There are certain causes of deaths particular to each region. These might be further influenced by economic, climatic, religious, cultural positions of the individual countries of the regions. Without additional data, it might be difficult to estimate the extent to which these factors can affect the recorded numbers in this dataset.</a:t>
             </a:r>
           </a:p>
           <a:p>
@@ -9643,15 +9637,6 @@
 </file>
 
 <file path=customXml/item2.xml><?xml version="1.0" encoding="utf-8"?>
-<?mso-contentType ?>
-<FormTemplates xmlns="http://schemas.microsoft.com/sharepoint/v3/contenttype/forms">
-  <Display>DocumentLibraryForm</Display>
-  <Edit>DocumentLibraryForm</Edit>
-  <New>DocumentLibraryForm</New>
-</FormTemplates>
-</file>
-
-<file path=customXml/item3.xml><?xml version="1.0" encoding="utf-8"?>
 <ct:contentTypeSchema xmlns:ct="http://schemas.microsoft.com/office/2006/metadata/contentType" xmlns:ma="http://schemas.microsoft.com/office/2006/metadata/properties/metaAttributes" ct:_="" ma:_="" ma:contentTypeName="Document" ma:contentTypeID="0x01010079F111ED35F8CC479449609E8A0923A6" ma:contentTypeVersion="12" ma:contentTypeDescription="Create a new document." ma:contentTypeScope="" ma:versionID="a410dd7f93c95333ffa1b60ed6adedd1">
   <xsd:schema xmlns:xsd="http://www.w3.org/2001/XMLSchema" xmlns:xs="http://www.w3.org/2001/XMLSchema" xmlns:p="http://schemas.microsoft.com/office/2006/metadata/properties" xmlns:ns2="71af3243-3dd4-4a8d-8c0d-dd76da1f02a5" xmlns:ns3="16c05727-aa75-4e4a-9b5f-8a80a1165891" targetNamespace="http://schemas.microsoft.com/office/2006/metadata/properties" ma:root="true" ma:fieldsID="a936d9baba76aa3866493feff160faab" ns2:_="" ns3:_="">
     <xsd:import namespace="71af3243-3dd4-4a8d-8c0d-dd76da1f02a5"/>
@@ -9872,6 +9857,15 @@
 </ct:contentTypeSchema>
 </file>
 
+<file path=customXml/item3.xml><?xml version="1.0" encoding="utf-8"?>
+<?mso-contentType ?>
+<FormTemplates xmlns="http://schemas.microsoft.com/sharepoint/v3/contenttype/forms">
+  <Display>DocumentLibraryForm</Display>
+  <Edit>DocumentLibraryForm</Edit>
+  <New>DocumentLibraryForm</New>
+</FormTemplates>
+</file>
+
 <file path=customXml/itemProps1.xml><?xml version="1.0" encoding="utf-8"?>
 <ds:datastoreItem xmlns:ds="http://schemas.openxmlformats.org/officeDocument/2006/customXml" ds:itemID="{A03EEFF0-FB57-4CB4-8BFC-DF397689E2ED}">
   <ds:schemaRefs>
@@ -9883,14 +9877,6 @@
 </file>
 
 <file path=customXml/itemProps2.xml><?xml version="1.0" encoding="utf-8"?>
-<ds:datastoreItem xmlns:ds="http://schemas.openxmlformats.org/officeDocument/2006/customXml" ds:itemID="{AA3F7EDC-E5B4-4BBC-9D2A-CBE6D46C37AD}">
-  <ds:schemaRefs>
-    <ds:schemaRef ds:uri="http://schemas.microsoft.com/sharepoint/v3/contenttype/forms"/>
-  </ds:schemaRefs>
-</ds:datastoreItem>
-</file>
-
-<file path=customXml/itemProps3.xml><?xml version="1.0" encoding="utf-8"?>
 <ds:datastoreItem xmlns:ds="http://schemas.openxmlformats.org/officeDocument/2006/customXml" ds:itemID="{93932EF5-314F-409E-8020-FEE5FA0795B9}">
   <ds:schemaRefs>
     <ds:schemaRef ds:uri="http://schemas.microsoft.com/office/2006/metadata/contentType"/>
@@ -9907,4 +9893,12 @@
     <ds:schemaRef ds:uri="http://schemas.microsoft.com/internal/obd"/>
   </ds:schemaRefs>
 </ds:datastoreItem>
+</file>
+
+<file path=customXml/itemProps3.xml><?xml version="1.0" encoding="utf-8"?>
+<ds:datastoreItem xmlns:ds="http://schemas.openxmlformats.org/officeDocument/2006/customXml" ds:itemID="{AA3F7EDC-E5B4-4BBC-9D2A-CBE6D46C37AD}">
+  <ds:schemaRefs>
+    <ds:schemaRef ds:uri="http://schemas.microsoft.com/sharepoint/v3/contenttype/forms"/>
+  </ds:schemaRefs>
+</ds:datastoreItem>
 </file>